--- a/Lessons/Lesson-1/Introduction to Generative AI.pptx
+++ b/Lessons/Lesson-1/Introduction to Generative AI.pptx
@@ -1103,7 +1103,7 @@
           <a:p>
             <a:fld id="{1A9CCF9A-981A-5249-97D4-A6A8CB76D112}" type="datetimeFigureOut">
               <a:rPr lang="en-US" smtClean="0"/>
-              <a:t>12/19/24</a:t>
+              <a:t>1/8/25</a:t>
             </a:fld>
             <a:endParaRPr lang="en-US"/>
           </a:p>
@@ -8003,8 +8003,8 @@
         </p:nvSpPr>
         <p:spPr>
           <a:xfrm>
-            <a:off x="365760" y="1165536"/>
-            <a:ext cx="6963190" cy="5262696"/>
+            <a:off x="365759" y="1165536"/>
+            <a:ext cx="9931180" cy="5262696"/>
           </a:xfrm>
         </p:spPr>
         <p:txBody>
@@ -8148,7 +8148,7 @@
         <p:spPr>
           <a:xfrm>
             <a:off x="365760" y="1165536"/>
-            <a:ext cx="5842535" cy="5262696"/>
+            <a:ext cx="9030031" cy="5262696"/>
           </a:xfrm>
         </p:spPr>
         <p:txBody>
@@ -8184,19 +8184,14 @@
             <a:pPr lvl="1"/>
             <a:r>
               <a:rPr lang="en-US" sz="2000" dirty="0"/>
-              <a:t>Written content</a:t>
+              <a:t>Generate written content</a:t>
             </a:r>
           </a:p>
           <a:p>
             <a:r>
               <a:rPr lang="en-US" sz="2400" dirty="0"/>
-              <a:t>Adapting content using input prompts, images, audio, </a:t>
+              <a:t>Adapting content using input prompts, images, audio, etc.</a:t>
             </a:r>
-            <a:r>
-              <a:rPr lang="en-US" sz="2400" dirty="0" err="1"/>
-              <a:t>etc</a:t>
-            </a:r>
-            <a:endParaRPr lang="en-US" sz="2400" dirty="0"/>
           </a:p>
         </p:txBody>
       </p:sp>
@@ -8377,13 +8372,8 @@
             <a:pPr lvl="1"/>
             <a:r>
               <a:rPr lang="en-US" sz="2000" dirty="0"/>
-              <a:t>Personalize responses for different groups, teams, individuals, </a:t>
+              <a:t>Personalize responses for different groups, teams, individuals, etc.</a:t>
             </a:r>
-            <a:r>
-              <a:rPr lang="en-US" sz="2000" dirty="0" err="1"/>
-              <a:t>etx</a:t>
-            </a:r>
-            <a:endParaRPr lang="en-US" sz="2000" dirty="0"/>
           </a:p>
         </p:txBody>
       </p:sp>
@@ -17758,7 +17748,7 @@
             </a:r>
             <a:r>
               <a:rPr lang="en-US" dirty="0"/>
-              <a:t>with AWS or third-party providers.</a:t>
+              <a:t>with AWS or third-party providers</a:t>
             </a:r>
           </a:p>
           <a:p>
@@ -17790,7 +17780,7 @@
             </a:r>
             <a:r>
               <a:rPr lang="en-US" dirty="0"/>
-              <a:t>such as encryption, IAM, and various compliance designations.</a:t>
+              <a:t>such as encryption, identity and access management (IAM), and various compliance designations</a:t>
             </a:r>
           </a:p>
           <a:p>
@@ -26124,13 +26114,13 @@
           <a:p>
             <a:r>
               <a:rPr lang="en-US" dirty="0"/>
-              <a:t>This lesson covered fundamentals of generative AI.</a:t>
+              <a:t>This lesson covered fundamentals of generative AI</a:t>
             </a:r>
           </a:p>
           <a:p>
             <a:r>
               <a:rPr lang="en-US" dirty="0"/>
-              <a:t>In the next lesson, you will explore foundation models and large language models further.</a:t>
+              <a:t>In the next lesson, you will explore foundation models and large language models further</a:t>
             </a:r>
           </a:p>
         </p:txBody>
@@ -28278,7 +28268,7 @@
                   <a:sysClr val="windowText" lastClr="000000"/>
                 </a:solidFill>
               </a:rPr>
-              <a:t> to more specialized tasks.</a:t>
+              <a:t> to more specialized tasks</a:t>
             </a:r>
           </a:p>
           <a:p>
@@ -28658,14 +28648,11 @@
               </a:rPr>
               <a:t>text</a:t>
             </a:r>
-            <a:r>
-              <a:rPr lang="en-US" sz="2800" b="1" dirty="0">
-                <a:solidFill>
-                  <a:sysClr val="windowText" lastClr="000000"/>
-                </a:solidFill>
-              </a:rPr>
-              <a:t>.</a:t>
-            </a:r>
+            <a:endParaRPr lang="en-US" sz="2800" b="1" dirty="0">
+              <a:solidFill>
+                <a:sysClr val="windowText" lastClr="000000"/>
+              </a:solidFill>
+            </a:endParaRPr>
           </a:p>
           <a:p>
             <a:r>
@@ -28699,7 +28686,7 @@
                   <a:sysClr val="windowText" lastClr="000000"/>
                 </a:solidFill>
               </a:rPr>
-              <a:t>being used in certain contexts.</a:t>
+              <a:t>being used in certain contexts</a:t>
             </a:r>
           </a:p>
           <a:p>
@@ -28726,7 +28713,7 @@
                   <a:sysClr val="windowText" lastClr="000000"/>
                 </a:solidFill>
               </a:rPr>
-              <a:t>Learn to predict the missing word in a text sequence.</a:t>
+              <a:t>Learn to predict the missing word in a text sequence</a:t>
             </a:r>
           </a:p>
           <a:p>
@@ -29949,7 +29936,7 @@
                   <a:sysClr val="windowText" lastClr="000000"/>
                 </a:solidFill>
               </a:rPr>
-              <a:t>474,000,000 page document</a:t>
+              <a:t>474,000,000-page document</a:t>
             </a:r>
           </a:p>
           <a:p>
